--- a/slides/Capr.pptx
+++ b/slides/Capr.pptx
@@ -7,16 +7,17 @@
   <p:sldIdLst>
     <p:sldId id="256" r:id="rId2"/>
     <p:sldId id="258" r:id="rId3"/>
-    <p:sldId id="259" r:id="rId4"/>
-    <p:sldId id="260" r:id="rId5"/>
-    <p:sldId id="261" r:id="rId6"/>
-    <p:sldId id="262" r:id="rId7"/>
-    <p:sldId id="263" r:id="rId8"/>
-    <p:sldId id="264" r:id="rId9"/>
-    <p:sldId id="265" r:id="rId10"/>
-    <p:sldId id="266" r:id="rId11"/>
-    <p:sldId id="267" r:id="rId12"/>
-    <p:sldId id="268" r:id="rId13"/>
+    <p:sldId id="269" r:id="rId4"/>
+    <p:sldId id="259" r:id="rId5"/>
+    <p:sldId id="260" r:id="rId6"/>
+    <p:sldId id="261" r:id="rId7"/>
+    <p:sldId id="262" r:id="rId8"/>
+    <p:sldId id="263" r:id="rId9"/>
+    <p:sldId id="264" r:id="rId10"/>
+    <p:sldId id="265" r:id="rId11"/>
+    <p:sldId id="266" r:id="rId12"/>
+    <p:sldId id="267" r:id="rId13"/>
+    <p:sldId id="268" r:id="rId14"/>
   </p:sldIdLst>
   <p:sldSz cx="12192000" cy="6858000"/>
   <p:notesSz cx="6858000" cy="9144000"/>
@@ -2042,6 +2043,338 @@
           <p:cNvPr id="2" name="Title 1">
             <a:extLst>
               <a:ext uri="{FF2B5EF4-FFF2-40B4-BE49-F238E27FC236}">
+                <a16:creationId xmlns:a16="http://schemas.microsoft.com/office/drawing/2014/main" id="{F693F088-4EF7-87B1-D058-812136F2B66C}"/>
+              </a:ext>
+            </a:extLst>
+          </p:cNvPr>
+          <p:cNvSpPr>
+            <a:spLocks noGrp="1"/>
+          </p:cNvSpPr>
+          <p:nvPr>
+            <p:ph type="title"/>
+          </p:nvPr>
+        </p:nvSpPr>
+        <p:spPr/>
+        <p:txBody>
+          <a:bodyPr/>
+          <a:lstStyle/>
+          <a:p>
+            <a:r>
+              <a:rPr lang="en-US" dirty="0"/>
+              <a:t>Entry event</a:t>
+            </a:r>
+          </a:p>
+        </p:txBody>
+      </p:sp>
+      <p:pic>
+        <p:nvPicPr>
+          <p:cNvPr id="5" name="Picture 4">
+            <a:extLst>
+              <a:ext uri="{FF2B5EF4-FFF2-40B4-BE49-F238E27FC236}">
+                <a16:creationId xmlns:a16="http://schemas.microsoft.com/office/drawing/2014/main" id="{36C3C5E4-BE3F-FB77-E964-80E31CD427CB}"/>
+              </a:ext>
+            </a:extLst>
+          </p:cNvPr>
+          <p:cNvPicPr>
+            <a:picLocks noChangeAspect="1"/>
+          </p:cNvPicPr>
+          <p:nvPr/>
+        </p:nvPicPr>
+        <p:blipFill>
+          <a:blip r:embed="rId2"/>
+          <a:stretch>
+            <a:fillRect/>
+          </a:stretch>
+        </p:blipFill>
+        <p:spPr>
+          <a:xfrm>
+            <a:off x="262524" y="1428750"/>
+            <a:ext cx="10972909" cy="554810"/>
+          </a:xfrm>
+          <a:prstGeom prst="rect">
+            <a:avLst/>
+          </a:prstGeom>
+        </p:spPr>
+      </p:pic>
+      <p:pic>
+        <p:nvPicPr>
+          <p:cNvPr id="6" name="Picture 5">
+            <a:extLst>
+              <a:ext uri="{FF2B5EF4-FFF2-40B4-BE49-F238E27FC236}">
+                <a16:creationId xmlns:a16="http://schemas.microsoft.com/office/drawing/2014/main" id="{F87543D4-5714-C619-2F55-4D05444B9619}"/>
+              </a:ext>
+            </a:extLst>
+          </p:cNvPr>
+          <p:cNvPicPr>
+            <a:picLocks noChangeAspect="1"/>
+          </p:cNvPicPr>
+          <p:nvPr/>
+        </p:nvPicPr>
+        <p:blipFill>
+          <a:blip r:embed="rId3"/>
+          <a:stretch>
+            <a:fillRect/>
+          </a:stretch>
+        </p:blipFill>
+        <p:spPr>
+          <a:xfrm>
+            <a:off x="262524" y="2582100"/>
+            <a:ext cx="5198779" cy="1808271"/>
+          </a:xfrm>
+          <a:prstGeom prst="rect">
+            <a:avLst/>
+          </a:prstGeom>
+        </p:spPr>
+      </p:pic>
+      <p:sp>
+        <p:nvSpPr>
+          <p:cNvPr id="7" name="Rounded Rectangle 6">
+            <a:extLst>
+              <a:ext uri="{FF2B5EF4-FFF2-40B4-BE49-F238E27FC236}">
+                <a16:creationId xmlns:a16="http://schemas.microsoft.com/office/drawing/2014/main" id="{716C0DA9-F233-E556-7465-3875FEC21075}"/>
+              </a:ext>
+            </a:extLst>
+          </p:cNvPr>
+          <p:cNvSpPr/>
+          <p:nvPr/>
+        </p:nvSpPr>
+        <p:spPr>
+          <a:xfrm>
+            <a:off x="7042245" y="2514600"/>
+            <a:ext cx="3900907" cy="1828800"/>
+          </a:xfrm>
+          <a:prstGeom prst="roundRect">
+            <a:avLst/>
+          </a:prstGeom>
+          <a:effectLst>
+            <a:outerShdw blurRad="50800" dist="38100" dir="2700000" algn="tl" rotWithShape="0">
+              <a:prstClr val="black">
+                <a:alpha val="40000"/>
+              </a:prstClr>
+            </a:outerShdw>
+          </a:effectLst>
+        </p:spPr>
+        <p:style>
+          <a:lnRef idx="2">
+            <a:schemeClr val="accent2"/>
+          </a:lnRef>
+          <a:fillRef idx="1">
+            <a:schemeClr val="lt1"/>
+          </a:fillRef>
+          <a:effectRef idx="0">
+            <a:schemeClr val="accent2"/>
+          </a:effectRef>
+          <a:fontRef idx="minor">
+            <a:schemeClr val="dk1"/>
+          </a:fontRef>
+        </p:style>
+        <p:txBody>
+          <a:bodyPr rtlCol="0" anchor="ctr"/>
+          <a:lstStyle/>
+          <a:p>
+            <a:pPr algn="ctr"/>
+            <a:r>
+              <a:rPr lang="en-US" sz="2800" dirty="0"/>
+              <a:t>Search the </a:t>
+            </a:r>
+            <a:r>
+              <a:rPr lang="en-US" sz="2800" dirty="0" err="1"/>
+              <a:t>drug_exposure</a:t>
+            </a:r>
+            <a:r>
+              <a:rPr lang="en-US" sz="2800" dirty="0"/>
+              <a:t> table in the Common Data Model</a:t>
+            </a:r>
+          </a:p>
+        </p:txBody>
+      </p:sp>
+      <p:sp>
+        <p:nvSpPr>
+          <p:cNvPr id="8" name="Left Arrow 7">
+            <a:extLst>
+              <a:ext uri="{FF2B5EF4-FFF2-40B4-BE49-F238E27FC236}">
+                <a16:creationId xmlns:a16="http://schemas.microsoft.com/office/drawing/2014/main" id="{B8295D8A-22CE-C50E-A8D3-6103B9A5B045}"/>
+              </a:ext>
+            </a:extLst>
+          </p:cNvPr>
+          <p:cNvSpPr/>
+          <p:nvPr/>
+        </p:nvSpPr>
+        <p:spPr>
+          <a:xfrm>
+            <a:off x="5854890" y="2797791"/>
+            <a:ext cx="1187355" cy="887105"/>
+          </a:xfrm>
+          <a:prstGeom prst="leftArrow">
+            <a:avLst/>
+          </a:prstGeom>
+        </p:spPr>
+        <p:style>
+          <a:lnRef idx="2">
+            <a:schemeClr val="accent2">
+              <a:shade val="15000"/>
+            </a:schemeClr>
+          </a:lnRef>
+          <a:fillRef idx="1">
+            <a:schemeClr val="accent2"/>
+          </a:fillRef>
+          <a:effectRef idx="0">
+            <a:schemeClr val="accent2"/>
+          </a:effectRef>
+          <a:fontRef idx="minor">
+            <a:schemeClr val="lt1"/>
+          </a:fontRef>
+        </p:style>
+        <p:txBody>
+          <a:bodyPr rtlCol="0" anchor="ctr"/>
+          <a:lstStyle/>
+          <a:p>
+            <a:pPr algn="ctr"/>
+            <a:endParaRPr lang="en-US"/>
+          </a:p>
+        </p:txBody>
+      </p:sp>
+    </p:spTree>
+    <p:extLst>
+      <p:ext uri="{BB962C8B-B14F-4D97-AF65-F5344CB8AC3E}">
+        <p14:creationId xmlns:p14="http://schemas.microsoft.com/office/powerpoint/2010/main" val="621482658"/>
+      </p:ext>
+    </p:extLst>
+  </p:cSld>
+  <p:clrMapOvr>
+    <a:masterClrMapping/>
+  </p:clrMapOvr>
+  <p:timing>
+    <p:tnLst>
+      <p:par>
+        <p:cTn id="1" dur="indefinite" restart="never" nodeType="tmRoot">
+          <p:childTnLst>
+            <p:seq concurrent="1" nextAc="seek">
+              <p:cTn id="2" dur="indefinite" nodeType="mainSeq">
+                <p:childTnLst>
+                  <p:par>
+                    <p:cTn id="3" fill="hold">
+                      <p:stCondLst>
+                        <p:cond delay="indefinite"/>
+                      </p:stCondLst>
+                      <p:childTnLst>
+                        <p:par>
+                          <p:cTn id="4" fill="hold">
+                            <p:stCondLst>
+                              <p:cond delay="0"/>
+                            </p:stCondLst>
+                            <p:childTnLst>
+                              <p:par>
+                                <p:cTn id="5" presetID="1" presetClass="entr" presetSubtype="0" fill="hold" grpId="0" nodeType="clickEffect">
+                                  <p:stCondLst>
+                                    <p:cond delay="0"/>
+                                  </p:stCondLst>
+                                  <p:childTnLst>
+                                    <p:set>
+                                      <p:cBhvr>
+                                        <p:cTn id="6" dur="1" fill="hold">
+                                          <p:stCondLst>
+                                            <p:cond delay="0"/>
+                                          </p:stCondLst>
+                                        </p:cTn>
+                                        <p:tgtEl>
+                                          <p:spTgt spid="7"/>
+                                        </p:tgtEl>
+                                        <p:attrNameLst>
+                                          <p:attrName>style.visibility</p:attrName>
+                                        </p:attrNameLst>
+                                      </p:cBhvr>
+                                      <p:to>
+                                        <p:strVal val="visible"/>
+                                      </p:to>
+                                    </p:set>
+                                  </p:childTnLst>
+                                </p:cTn>
+                              </p:par>
+                              <p:par>
+                                <p:cTn id="7" presetID="1" presetClass="entr" presetSubtype="0" fill="hold" grpId="0" nodeType="withEffect">
+                                  <p:stCondLst>
+                                    <p:cond delay="0"/>
+                                  </p:stCondLst>
+                                  <p:childTnLst>
+                                    <p:set>
+                                      <p:cBhvr>
+                                        <p:cTn id="8" dur="1" fill="hold">
+                                          <p:stCondLst>
+                                            <p:cond delay="0"/>
+                                          </p:stCondLst>
+                                        </p:cTn>
+                                        <p:tgtEl>
+                                          <p:spTgt spid="8"/>
+                                        </p:tgtEl>
+                                        <p:attrNameLst>
+                                          <p:attrName>style.visibility</p:attrName>
+                                        </p:attrNameLst>
+                                      </p:cBhvr>
+                                      <p:to>
+                                        <p:strVal val="visible"/>
+                                      </p:to>
+                                    </p:set>
+                                  </p:childTnLst>
+                                </p:cTn>
+                              </p:par>
+                            </p:childTnLst>
+                          </p:cTn>
+                        </p:par>
+                      </p:childTnLst>
+                    </p:cTn>
+                  </p:par>
+                </p:childTnLst>
+              </p:cTn>
+              <p:prevCondLst>
+                <p:cond evt="onPrev" delay="0">
+                  <p:tgtEl>
+                    <p:sldTgt/>
+                  </p:tgtEl>
+                </p:cond>
+              </p:prevCondLst>
+              <p:nextCondLst>
+                <p:cond evt="onNext" delay="0">
+                  <p:tgtEl>
+                    <p:sldTgt/>
+                  </p:tgtEl>
+                </p:cond>
+              </p:nextCondLst>
+            </p:seq>
+          </p:childTnLst>
+        </p:cTn>
+      </p:par>
+    </p:tnLst>
+    <p:bldLst>
+      <p:bldP spid="7" grpId="0" animBg="1"/>
+      <p:bldP spid="8" grpId="0" animBg="1"/>
+    </p:bldLst>
+  </p:timing>
+</p:sld>
+</file>
+
+<file path=ppt/slides/slide11.xml><?xml version="1.0" encoding="utf-8"?>
+<p:sld xmlns:a="http://schemas.openxmlformats.org/drawingml/2006/main" xmlns:r="http://schemas.openxmlformats.org/officeDocument/2006/relationships" xmlns:p="http://schemas.openxmlformats.org/presentationml/2006/main">
+  <p:cSld>
+    <p:spTree>
+      <p:nvGrpSpPr>
+        <p:cNvPr id="1" name=""/>
+        <p:cNvGrpSpPr/>
+        <p:nvPr/>
+      </p:nvGrpSpPr>
+      <p:grpSpPr>
+        <a:xfrm>
+          <a:off x="0" y="0"/>
+          <a:ext cx="0" cy="0"/>
+          <a:chOff x="0" y="0"/>
+          <a:chExt cx="0" cy="0"/>
+        </a:xfrm>
+      </p:grpSpPr>
+      <p:sp>
+        <p:nvSpPr>
+          <p:cNvPr id="2" name="Title 1">
+            <a:extLst>
+              <a:ext uri="{FF2B5EF4-FFF2-40B4-BE49-F238E27FC236}">
                 <a16:creationId xmlns:a16="http://schemas.microsoft.com/office/drawing/2014/main" id="{F7A60389-E08B-87E5-C618-352005F6C8E8}"/>
               </a:ext>
             </a:extLst>
@@ -2138,7 +2471,7 @@
 </p:sld>
 </file>
 
-<file path=ppt/slides/slide11.xml><?xml version="1.0" encoding="utf-8"?>
+<file path=ppt/slides/slide12.xml><?xml version="1.0" encoding="utf-8"?>
 <p:sld xmlns:a="http://schemas.openxmlformats.org/drawingml/2006/main" xmlns:r="http://schemas.openxmlformats.org/officeDocument/2006/relationships" xmlns:p="http://schemas.openxmlformats.org/presentationml/2006/main">
   <p:cSld>
     <p:spTree>
@@ -3374,7 +3707,7 @@
 </p:sld>
 </file>
 
-<file path=ppt/slides/slide12.xml><?xml version="1.0" encoding="utf-8"?>
+<file path=ppt/slides/slide13.xml><?xml version="1.0" encoding="utf-8"?>
 <p:sld xmlns:a="http://schemas.openxmlformats.org/drawingml/2006/main" xmlns:r="http://schemas.openxmlformats.org/officeDocument/2006/relationships" xmlns:p="http://schemas.openxmlformats.org/presentationml/2006/main">
   <p:cSld>
     <p:spTree>
@@ -3974,6 +4307,155 @@
           <p:cNvPr id="2" name="Title 1">
             <a:extLst>
               <a:ext uri="{FF2B5EF4-FFF2-40B4-BE49-F238E27FC236}">
+                <a16:creationId xmlns:a16="http://schemas.microsoft.com/office/drawing/2014/main" id="{16A3B325-D29E-A2BE-8F6E-7FF82E7FFEC6}"/>
+              </a:ext>
+            </a:extLst>
+          </p:cNvPr>
+          <p:cNvSpPr>
+            <a:spLocks noGrp="1"/>
+          </p:cNvSpPr>
+          <p:nvPr>
+            <p:ph type="title"/>
+          </p:nvPr>
+        </p:nvSpPr>
+        <p:spPr/>
+        <p:txBody>
+          <a:bodyPr/>
+          <a:lstStyle/>
+          <a:p>
+            <a:r>
+              <a:rPr lang="en-US" dirty="0"/>
+              <a:t>Defining cohort is hard!</a:t>
+            </a:r>
+          </a:p>
+        </p:txBody>
+      </p:sp>
+      <p:sp>
+        <p:nvSpPr>
+          <p:cNvPr id="3" name="Content Placeholder 2">
+            <a:extLst>
+              <a:ext uri="{FF2B5EF4-FFF2-40B4-BE49-F238E27FC236}">
+                <a16:creationId xmlns:a16="http://schemas.microsoft.com/office/drawing/2014/main" id="{E2EEBE02-C2EF-184E-9921-45D22BBC763E}"/>
+              </a:ext>
+            </a:extLst>
+          </p:cNvPr>
+          <p:cNvSpPr>
+            <a:spLocks noGrp="1"/>
+          </p:cNvSpPr>
+          <p:nvPr>
+            <p:ph idx="1"/>
+          </p:nvPr>
+        </p:nvSpPr>
+        <p:spPr>
+          <a:xfrm>
+            <a:off x="609600" y="1219201"/>
+            <a:ext cx="6569122" cy="4906963"/>
+          </a:xfrm>
+        </p:spPr>
+        <p:txBody>
+          <a:bodyPr/>
+          <a:lstStyle/>
+          <a:p>
+            <a:pPr marL="0" indent="0">
+              <a:buNone/>
+            </a:pPr>
+            <a:r>
+              <a:rPr lang="en-US" dirty="0"/>
+              <a:t>Please start by reading the chapter </a:t>
+            </a:r>
+            <a:r>
+              <a:rPr lang="en-US" i="1" dirty="0"/>
+              <a:t>Defining Cohorts</a:t>
+            </a:r>
+            <a:r>
+              <a:rPr lang="en-US" dirty="0"/>
+              <a:t> in the Book of OHDSI</a:t>
+            </a:r>
+          </a:p>
+        </p:txBody>
+      </p:sp>
+      <p:pic>
+        <p:nvPicPr>
+          <p:cNvPr id="5" name="Picture 4">
+            <a:extLst>
+              <a:ext uri="{FF2B5EF4-FFF2-40B4-BE49-F238E27FC236}">
+                <a16:creationId xmlns:a16="http://schemas.microsoft.com/office/drawing/2014/main" id="{9D41BAF4-BB2D-69DC-F2E3-5A739CF53673}"/>
+              </a:ext>
+            </a:extLst>
+          </p:cNvPr>
+          <p:cNvPicPr>
+            <a:picLocks noChangeAspect="1"/>
+          </p:cNvPicPr>
+          <p:nvPr/>
+        </p:nvPicPr>
+        <p:blipFill rotWithShape="1">
+          <a:blip r:embed="rId2" cstate="print">
+            <a:extLst>
+              <a:ext uri="{BEBA8EAE-BF5A-486C-A8C5-ECC9F3942E4B}">
+                <a14:imgProps xmlns:a14="http://schemas.microsoft.com/office/drawing/2010/main">
+                  <a14:imgLayer r:embed="rId3">
+                    <a14:imgEffect>
+                      <a14:brightnessContrast bright="12000" contrast="16000"/>
+                    </a14:imgEffect>
+                  </a14:imgLayer>
+                </a14:imgProps>
+              </a:ext>
+              <a:ext uri="{28A0092B-C50C-407E-A947-70E740481C1C}">
+                <a14:useLocalDpi xmlns:a14="http://schemas.microsoft.com/office/drawing/2010/main"/>
+              </a:ext>
+            </a:extLst>
+          </a:blip>
+          <a:srcRect t="7239"/>
+          <a:stretch/>
+        </p:blipFill>
+        <p:spPr>
+          <a:xfrm>
+            <a:off x="7178722" y="2337547"/>
+            <a:ext cx="5013278" cy="4034275"/>
+          </a:xfrm>
+          <a:prstGeom prst="rect">
+            <a:avLst/>
+          </a:prstGeom>
+          <a:effectLst>
+            <a:softEdge rad="63500"/>
+          </a:effectLst>
+        </p:spPr>
+      </p:pic>
+    </p:spTree>
+    <p:extLst>
+      <p:ext uri="{BB962C8B-B14F-4D97-AF65-F5344CB8AC3E}">
+        <p14:creationId xmlns:p14="http://schemas.microsoft.com/office/powerpoint/2010/main" val="2408877469"/>
+      </p:ext>
+    </p:extLst>
+  </p:cSld>
+  <p:clrMapOvr>
+    <a:masterClrMapping/>
+  </p:clrMapOvr>
+</p:sld>
+</file>
+
+<file path=ppt/slides/slide4.xml><?xml version="1.0" encoding="utf-8"?>
+<p:sld xmlns:a="http://schemas.openxmlformats.org/drawingml/2006/main" xmlns:r="http://schemas.openxmlformats.org/officeDocument/2006/relationships" xmlns:p="http://schemas.openxmlformats.org/presentationml/2006/main">
+  <p:cSld>
+    <p:spTree>
+      <p:nvGrpSpPr>
+        <p:cNvPr id="1" name=""/>
+        <p:cNvGrpSpPr/>
+        <p:nvPr/>
+      </p:nvGrpSpPr>
+      <p:grpSpPr>
+        <a:xfrm>
+          <a:off x="0" y="0"/>
+          <a:ext cx="0" cy="0"/>
+          <a:chOff x="0" y="0"/>
+          <a:chExt cx="0" cy="0"/>
+        </a:xfrm>
+      </p:grpSpPr>
+      <p:sp>
+        <p:nvSpPr>
+          <p:cNvPr id="2" name="Title 1">
+            <a:extLst>
+              <a:ext uri="{FF2B5EF4-FFF2-40B4-BE49-F238E27FC236}">
                 <a16:creationId xmlns:a16="http://schemas.microsoft.com/office/drawing/2014/main" id="{6ED2BEEB-9ADD-D588-A4DA-588931EF4072}"/>
               </a:ext>
             </a:extLst>
@@ -4629,7 +5111,7 @@
 </p:sld>
 </file>
 
-<file path=ppt/slides/slide4.xml><?xml version="1.0" encoding="utf-8"?>
+<file path=ppt/slides/slide5.xml><?xml version="1.0" encoding="utf-8"?>
 <p:sld xmlns:a="http://schemas.openxmlformats.org/drawingml/2006/main" xmlns:r="http://schemas.openxmlformats.org/officeDocument/2006/relationships" xmlns:p="http://schemas.openxmlformats.org/presentationml/2006/main">
   <p:cSld>
     <p:spTree>
@@ -6029,128 +6511,6 @@
 </p:sld>
 </file>
 
-<file path=ppt/slides/slide5.xml><?xml version="1.0" encoding="utf-8"?>
-<p:sld xmlns:a="http://schemas.openxmlformats.org/drawingml/2006/main" xmlns:r="http://schemas.openxmlformats.org/officeDocument/2006/relationships" xmlns:p="http://schemas.openxmlformats.org/presentationml/2006/main">
-  <p:cSld>
-    <p:spTree>
-      <p:nvGrpSpPr>
-        <p:cNvPr id="1" name=""/>
-        <p:cNvGrpSpPr/>
-        <p:nvPr/>
-      </p:nvGrpSpPr>
-      <p:grpSpPr>
-        <a:xfrm>
-          <a:off x="0" y="0"/>
-          <a:ext cx="0" cy="0"/>
-          <a:chOff x="0" y="0"/>
-          <a:chExt cx="0" cy="0"/>
-        </a:xfrm>
-      </p:grpSpPr>
-      <p:sp>
-        <p:nvSpPr>
-          <p:cNvPr id="2" name="Title 1">
-            <a:extLst>
-              <a:ext uri="{FF2B5EF4-FFF2-40B4-BE49-F238E27FC236}">
-                <a16:creationId xmlns:a16="http://schemas.microsoft.com/office/drawing/2014/main" id="{4B76E4E8-75A7-0DCA-545E-DF551433CA64}"/>
-              </a:ext>
-            </a:extLst>
-          </p:cNvPr>
-          <p:cNvSpPr>
-            <a:spLocks noGrp="1"/>
-          </p:cNvSpPr>
-          <p:nvPr>
-            <p:ph type="title"/>
-          </p:nvPr>
-        </p:nvSpPr>
-        <p:spPr/>
-        <p:txBody>
-          <a:bodyPr/>
-          <a:lstStyle/>
-          <a:p>
-            <a:r>
-              <a:rPr lang="en-US" dirty="0"/>
-              <a:t>Where are my exclusion criteria?</a:t>
-            </a:r>
-          </a:p>
-        </p:txBody>
-      </p:sp>
-      <p:sp>
-        <p:nvSpPr>
-          <p:cNvPr id="3" name="Content Placeholder 2">
-            <a:extLst>
-              <a:ext uri="{FF2B5EF4-FFF2-40B4-BE49-F238E27FC236}">
-                <a16:creationId xmlns:a16="http://schemas.microsoft.com/office/drawing/2014/main" id="{CEC2097D-52C5-D255-9B5B-8FBB8CB204CF}"/>
-              </a:ext>
-            </a:extLst>
-          </p:cNvPr>
-          <p:cNvSpPr>
-            <a:spLocks noGrp="1"/>
-          </p:cNvSpPr>
-          <p:nvPr>
-            <p:ph idx="1"/>
-          </p:nvPr>
-        </p:nvSpPr>
-        <p:spPr/>
-        <p:txBody>
-          <a:bodyPr/>
-          <a:lstStyle/>
-          <a:p>
-            <a:pPr marL="0" indent="0">
-              <a:buNone/>
-            </a:pPr>
-            <a:r>
-              <a:rPr lang="en-US" dirty="0"/>
-              <a:t>An exclusion criterion can be framed as an inclusion criterion:</a:t>
-            </a:r>
-          </a:p>
-          <a:p>
-            <a:pPr marL="0" indent="0">
-              <a:buNone/>
-            </a:pPr>
-            <a:endParaRPr lang="en-US" dirty="0"/>
-          </a:p>
-          <a:p>
-            <a:pPr marL="0" indent="0">
-              <a:buNone/>
-            </a:pPr>
-            <a:r>
-              <a:rPr lang="en-US" dirty="0"/>
-              <a:t>Exclude people with prior cancer</a:t>
-            </a:r>
-          </a:p>
-          <a:p>
-            <a:pPr marL="0" indent="0">
-              <a:buNone/>
-            </a:pPr>
-            <a:r>
-              <a:rPr lang="en-US" dirty="0"/>
-              <a:t>=</a:t>
-            </a:r>
-          </a:p>
-          <a:p>
-            <a:pPr marL="0" indent="0">
-              <a:buNone/>
-            </a:pPr>
-            <a:r>
-              <a:rPr lang="en-US" dirty="0"/>
-              <a:t>Include people with no prior cancer</a:t>
-            </a:r>
-          </a:p>
-        </p:txBody>
-      </p:sp>
-    </p:spTree>
-    <p:extLst>
-      <p:ext uri="{BB962C8B-B14F-4D97-AF65-F5344CB8AC3E}">
-        <p14:creationId xmlns:p14="http://schemas.microsoft.com/office/powerpoint/2010/main" val="3236505748"/>
-      </p:ext>
-    </p:extLst>
-  </p:cSld>
-  <p:clrMapOvr>
-    <a:masterClrMapping/>
-  </p:clrMapOvr>
-</p:sld>
-</file>
-
 <file path=ppt/slides/slide6.xml><?xml version="1.0" encoding="utf-8"?>
 <p:sld xmlns:a="http://schemas.openxmlformats.org/drawingml/2006/main" xmlns:r="http://schemas.openxmlformats.org/officeDocument/2006/relationships" xmlns:p="http://schemas.openxmlformats.org/presentationml/2006/main">
   <p:cSld>
@@ -6173,6 +6533,128 @@
           <p:cNvPr id="2" name="Title 1">
             <a:extLst>
               <a:ext uri="{FF2B5EF4-FFF2-40B4-BE49-F238E27FC236}">
+                <a16:creationId xmlns:a16="http://schemas.microsoft.com/office/drawing/2014/main" id="{4B76E4E8-75A7-0DCA-545E-DF551433CA64}"/>
+              </a:ext>
+            </a:extLst>
+          </p:cNvPr>
+          <p:cNvSpPr>
+            <a:spLocks noGrp="1"/>
+          </p:cNvSpPr>
+          <p:nvPr>
+            <p:ph type="title"/>
+          </p:nvPr>
+        </p:nvSpPr>
+        <p:spPr/>
+        <p:txBody>
+          <a:bodyPr/>
+          <a:lstStyle/>
+          <a:p>
+            <a:r>
+              <a:rPr lang="en-US" dirty="0"/>
+              <a:t>Where are my exclusion criteria?</a:t>
+            </a:r>
+          </a:p>
+        </p:txBody>
+      </p:sp>
+      <p:sp>
+        <p:nvSpPr>
+          <p:cNvPr id="3" name="Content Placeholder 2">
+            <a:extLst>
+              <a:ext uri="{FF2B5EF4-FFF2-40B4-BE49-F238E27FC236}">
+                <a16:creationId xmlns:a16="http://schemas.microsoft.com/office/drawing/2014/main" id="{CEC2097D-52C5-D255-9B5B-8FBB8CB204CF}"/>
+              </a:ext>
+            </a:extLst>
+          </p:cNvPr>
+          <p:cNvSpPr>
+            <a:spLocks noGrp="1"/>
+          </p:cNvSpPr>
+          <p:nvPr>
+            <p:ph idx="1"/>
+          </p:nvPr>
+        </p:nvSpPr>
+        <p:spPr/>
+        <p:txBody>
+          <a:bodyPr/>
+          <a:lstStyle/>
+          <a:p>
+            <a:pPr marL="0" indent="0">
+              <a:buNone/>
+            </a:pPr>
+            <a:r>
+              <a:rPr lang="en-US" dirty="0"/>
+              <a:t>An exclusion criterion can be framed as an inclusion criterion:</a:t>
+            </a:r>
+          </a:p>
+          <a:p>
+            <a:pPr marL="0" indent="0">
+              <a:buNone/>
+            </a:pPr>
+            <a:endParaRPr lang="en-US" dirty="0"/>
+          </a:p>
+          <a:p>
+            <a:pPr marL="0" indent="0">
+              <a:buNone/>
+            </a:pPr>
+            <a:r>
+              <a:rPr lang="en-US" dirty="0"/>
+              <a:t>Exclude people with prior cancer</a:t>
+            </a:r>
+          </a:p>
+          <a:p>
+            <a:pPr marL="0" indent="0">
+              <a:buNone/>
+            </a:pPr>
+            <a:r>
+              <a:rPr lang="en-US" dirty="0"/>
+              <a:t>=</a:t>
+            </a:r>
+          </a:p>
+          <a:p>
+            <a:pPr marL="0" indent="0">
+              <a:buNone/>
+            </a:pPr>
+            <a:r>
+              <a:rPr lang="en-US" dirty="0"/>
+              <a:t>Include people with no prior cancer</a:t>
+            </a:r>
+          </a:p>
+        </p:txBody>
+      </p:sp>
+    </p:spTree>
+    <p:extLst>
+      <p:ext uri="{BB962C8B-B14F-4D97-AF65-F5344CB8AC3E}">
+        <p14:creationId xmlns:p14="http://schemas.microsoft.com/office/powerpoint/2010/main" val="3236505748"/>
+      </p:ext>
+    </p:extLst>
+  </p:cSld>
+  <p:clrMapOvr>
+    <a:masterClrMapping/>
+  </p:clrMapOvr>
+</p:sld>
+</file>
+
+<file path=ppt/slides/slide7.xml><?xml version="1.0" encoding="utf-8"?>
+<p:sld xmlns:a="http://schemas.openxmlformats.org/drawingml/2006/main" xmlns:r="http://schemas.openxmlformats.org/officeDocument/2006/relationships" xmlns:p="http://schemas.openxmlformats.org/presentationml/2006/main">
+  <p:cSld>
+    <p:spTree>
+      <p:nvGrpSpPr>
+        <p:cNvPr id="1" name=""/>
+        <p:cNvGrpSpPr/>
+        <p:nvPr/>
+      </p:nvGrpSpPr>
+      <p:grpSpPr>
+        <a:xfrm>
+          <a:off x="0" y="0"/>
+          <a:ext cx="0" cy="0"/>
+          <a:chOff x="0" y="0"/>
+          <a:chExt cx="0" cy="0"/>
+        </a:xfrm>
+      </p:grpSpPr>
+      <p:sp>
+        <p:nvSpPr>
+          <p:cNvPr id="2" name="Title 1">
+            <a:extLst>
+              <a:ext uri="{FF2B5EF4-FFF2-40B4-BE49-F238E27FC236}">
                 <a16:creationId xmlns:a16="http://schemas.microsoft.com/office/drawing/2014/main" id="{C7622290-E97C-D793-614C-04A1E70D04EB}"/>
               </a:ext>
             </a:extLst>
@@ -6289,7 +6771,7 @@
 </p:sld>
 </file>
 
-<file path=ppt/slides/slide7.xml><?xml version="1.0" encoding="utf-8"?>
+<file path=ppt/slides/slide8.xml><?xml version="1.0" encoding="utf-8"?>
 <p:sld xmlns:a="http://schemas.openxmlformats.org/drawingml/2006/main" xmlns:r="http://schemas.openxmlformats.org/officeDocument/2006/relationships" xmlns:p="http://schemas.openxmlformats.org/presentationml/2006/main">
   <p:cSld>
     <p:spTree>
@@ -6707,102 +7189,6 @@
 </p:sld>
 </file>
 
-<file path=ppt/slides/slide8.xml><?xml version="1.0" encoding="utf-8"?>
-<p:sld xmlns:a="http://schemas.openxmlformats.org/drawingml/2006/main" xmlns:r="http://schemas.openxmlformats.org/officeDocument/2006/relationships" xmlns:p="http://schemas.openxmlformats.org/presentationml/2006/main">
-  <p:cSld>
-    <p:spTree>
-      <p:nvGrpSpPr>
-        <p:cNvPr id="1" name=""/>
-        <p:cNvGrpSpPr/>
-        <p:nvPr/>
-      </p:nvGrpSpPr>
-      <p:grpSpPr>
-        <a:xfrm>
-          <a:off x="0" y="0"/>
-          <a:ext cx="0" cy="0"/>
-          <a:chOff x="0" y="0"/>
-          <a:chExt cx="0" cy="0"/>
-        </a:xfrm>
-      </p:grpSpPr>
-      <p:sp>
-        <p:nvSpPr>
-          <p:cNvPr id="2" name="Title 1">
-            <a:extLst>
-              <a:ext uri="{FF2B5EF4-FFF2-40B4-BE49-F238E27FC236}">
-                <a16:creationId xmlns:a16="http://schemas.microsoft.com/office/drawing/2014/main" id="{5607827A-2536-63AB-A73F-703FB10E733B}"/>
-              </a:ext>
-            </a:extLst>
-          </p:cNvPr>
-          <p:cNvSpPr>
-            <a:spLocks noGrp="1"/>
-          </p:cNvSpPr>
-          <p:nvPr>
-            <p:ph type="title"/>
-          </p:nvPr>
-        </p:nvSpPr>
-        <p:spPr>
-          <a:xfrm>
-            <a:off x="1250382" y="152400"/>
-            <a:ext cx="3453142" cy="838200"/>
-          </a:xfrm>
-        </p:spPr>
-        <p:txBody>
-          <a:bodyPr>
-            <a:normAutofit fontScale="90000"/>
-          </a:bodyPr>
-          <a:lstStyle/>
-          <a:p>
-            <a:pPr algn="l"/>
-            <a:r>
-              <a:rPr lang="en-US" dirty="0"/>
-              <a:t>Full cohort definition</a:t>
-            </a:r>
-          </a:p>
-        </p:txBody>
-      </p:sp>
-      <p:pic>
-        <p:nvPicPr>
-          <p:cNvPr id="4" name="Picture 3">
-            <a:extLst>
-              <a:ext uri="{FF2B5EF4-FFF2-40B4-BE49-F238E27FC236}">
-                <a16:creationId xmlns:a16="http://schemas.microsoft.com/office/drawing/2014/main" id="{3F1E76CE-B341-7B8C-1439-BC11FC995AEE}"/>
-              </a:ext>
-            </a:extLst>
-          </p:cNvPr>
-          <p:cNvPicPr>
-            <a:picLocks noChangeAspect="1"/>
-          </p:cNvPicPr>
-          <p:nvPr/>
-        </p:nvPicPr>
-        <p:blipFill>
-          <a:blip r:embed="rId2"/>
-          <a:stretch>
-            <a:fillRect/>
-          </a:stretch>
-        </p:blipFill>
-        <p:spPr>
-          <a:xfrm>
-            <a:off x="3651338" y="0"/>
-            <a:ext cx="9856940" cy="6855941"/>
-          </a:xfrm>
-          <a:prstGeom prst="rect">
-            <a:avLst/>
-          </a:prstGeom>
-        </p:spPr>
-      </p:pic>
-    </p:spTree>
-    <p:extLst>
-      <p:ext uri="{BB962C8B-B14F-4D97-AF65-F5344CB8AC3E}">
-        <p14:creationId xmlns:p14="http://schemas.microsoft.com/office/powerpoint/2010/main" val="1565348772"/>
-      </p:ext>
-    </p:extLst>
-  </p:cSld>
-  <p:clrMapOvr>
-    <a:masterClrMapping/>
-  </p:clrMapOvr>
-</p:sld>
-</file>
-
 <file path=ppt/slides/slide9.xml><?xml version="1.0" encoding="utf-8"?>
 <p:sld xmlns:a="http://schemas.openxmlformats.org/drawingml/2006/main" xmlns:r="http://schemas.openxmlformats.org/officeDocument/2006/relationships" xmlns:p="http://schemas.openxmlformats.org/presentationml/2006/main">
   <p:cSld>
@@ -6825,7 +7211,7 @@
           <p:cNvPr id="2" name="Title 1">
             <a:extLst>
               <a:ext uri="{FF2B5EF4-FFF2-40B4-BE49-F238E27FC236}">
-                <a16:creationId xmlns:a16="http://schemas.microsoft.com/office/drawing/2014/main" id="{F693F088-4EF7-87B1-D058-812136F2B66C}"/>
+                <a16:creationId xmlns:a16="http://schemas.microsoft.com/office/drawing/2014/main" id="{5607827A-2536-63AB-A73F-703FB10E733B}"/>
               </a:ext>
             </a:extLst>
           </p:cNvPr>
@@ -6836,24 +7222,32 @@
             <p:ph type="title"/>
           </p:nvPr>
         </p:nvSpPr>
-        <p:spPr/>
+        <p:spPr>
+          <a:xfrm>
+            <a:off x="1250382" y="152400"/>
+            <a:ext cx="3453142" cy="838200"/>
+          </a:xfrm>
+        </p:spPr>
         <p:txBody>
-          <a:bodyPr/>
+          <a:bodyPr>
+            <a:normAutofit fontScale="90000"/>
+          </a:bodyPr>
           <a:lstStyle/>
           <a:p>
+            <a:pPr algn="l"/>
             <a:r>
               <a:rPr lang="en-US" dirty="0"/>
-              <a:t>Entry event</a:t>
+              <a:t>Full cohort definition</a:t>
             </a:r>
           </a:p>
         </p:txBody>
       </p:sp>
       <p:pic>
         <p:nvPicPr>
-          <p:cNvPr id="5" name="Picture 4">
-            <a:extLst>
-              <a:ext uri="{FF2B5EF4-FFF2-40B4-BE49-F238E27FC236}">
-                <a16:creationId xmlns:a16="http://schemas.microsoft.com/office/drawing/2014/main" id="{36C3C5E4-BE3F-FB77-E964-80E31CD427CB}"/>
+          <p:cNvPr id="4" name="Picture 3">
+            <a:extLst>
+              <a:ext uri="{FF2B5EF4-FFF2-40B4-BE49-F238E27FC236}">
+                <a16:creationId xmlns:a16="http://schemas.microsoft.com/office/drawing/2014/main" id="{3F1E76CE-B341-7B8C-1439-BC11FC995AEE}"/>
               </a:ext>
             </a:extLst>
           </p:cNvPr>
@@ -6870,268 +7264,24 @@
         </p:blipFill>
         <p:spPr>
           <a:xfrm>
-            <a:off x="262524" y="1428750"/>
-            <a:ext cx="10972909" cy="554810"/>
+            <a:off x="3651338" y="0"/>
+            <a:ext cx="9856940" cy="6855941"/>
           </a:xfrm>
           <a:prstGeom prst="rect">
             <a:avLst/>
           </a:prstGeom>
         </p:spPr>
       </p:pic>
-      <p:pic>
-        <p:nvPicPr>
-          <p:cNvPr id="6" name="Picture 5">
-            <a:extLst>
-              <a:ext uri="{FF2B5EF4-FFF2-40B4-BE49-F238E27FC236}">
-                <a16:creationId xmlns:a16="http://schemas.microsoft.com/office/drawing/2014/main" id="{F87543D4-5714-C619-2F55-4D05444B9619}"/>
-              </a:ext>
-            </a:extLst>
-          </p:cNvPr>
-          <p:cNvPicPr>
-            <a:picLocks noChangeAspect="1"/>
-          </p:cNvPicPr>
-          <p:nvPr/>
-        </p:nvPicPr>
-        <p:blipFill>
-          <a:blip r:embed="rId3"/>
-          <a:stretch>
-            <a:fillRect/>
-          </a:stretch>
-        </p:blipFill>
-        <p:spPr>
-          <a:xfrm>
-            <a:off x="262524" y="2582100"/>
-            <a:ext cx="5198779" cy="1808271"/>
-          </a:xfrm>
-          <a:prstGeom prst="rect">
-            <a:avLst/>
-          </a:prstGeom>
-        </p:spPr>
-      </p:pic>
-      <p:sp>
-        <p:nvSpPr>
-          <p:cNvPr id="7" name="Rounded Rectangle 6">
-            <a:extLst>
-              <a:ext uri="{FF2B5EF4-FFF2-40B4-BE49-F238E27FC236}">
-                <a16:creationId xmlns:a16="http://schemas.microsoft.com/office/drawing/2014/main" id="{716C0DA9-F233-E556-7465-3875FEC21075}"/>
-              </a:ext>
-            </a:extLst>
-          </p:cNvPr>
-          <p:cNvSpPr/>
-          <p:nvPr/>
-        </p:nvSpPr>
-        <p:spPr>
-          <a:xfrm>
-            <a:off x="7042245" y="2514600"/>
-            <a:ext cx="3900907" cy="1828800"/>
-          </a:xfrm>
-          <a:prstGeom prst="roundRect">
-            <a:avLst/>
-          </a:prstGeom>
-          <a:effectLst>
-            <a:outerShdw blurRad="50800" dist="38100" dir="2700000" algn="tl" rotWithShape="0">
-              <a:prstClr val="black">
-                <a:alpha val="40000"/>
-              </a:prstClr>
-            </a:outerShdw>
-          </a:effectLst>
-        </p:spPr>
-        <p:style>
-          <a:lnRef idx="2">
-            <a:schemeClr val="accent2"/>
-          </a:lnRef>
-          <a:fillRef idx="1">
-            <a:schemeClr val="lt1"/>
-          </a:fillRef>
-          <a:effectRef idx="0">
-            <a:schemeClr val="accent2"/>
-          </a:effectRef>
-          <a:fontRef idx="minor">
-            <a:schemeClr val="dk1"/>
-          </a:fontRef>
-        </p:style>
-        <p:txBody>
-          <a:bodyPr rtlCol="0" anchor="ctr"/>
-          <a:lstStyle/>
-          <a:p>
-            <a:pPr algn="ctr"/>
-            <a:r>
-              <a:rPr lang="en-US" sz="2800" dirty="0"/>
-              <a:t>Search the </a:t>
-            </a:r>
-            <a:r>
-              <a:rPr lang="en-US" sz="2800" dirty="0" err="1"/>
-              <a:t>drug_exposure</a:t>
-            </a:r>
-            <a:r>
-              <a:rPr lang="en-US" sz="2800" dirty="0"/>
-              <a:t> table in the Common Data Model</a:t>
-            </a:r>
-          </a:p>
-        </p:txBody>
-      </p:sp>
-      <p:sp>
-        <p:nvSpPr>
-          <p:cNvPr id="8" name="Left Arrow 7">
-            <a:extLst>
-              <a:ext uri="{FF2B5EF4-FFF2-40B4-BE49-F238E27FC236}">
-                <a16:creationId xmlns:a16="http://schemas.microsoft.com/office/drawing/2014/main" id="{B8295D8A-22CE-C50E-A8D3-6103B9A5B045}"/>
-              </a:ext>
-            </a:extLst>
-          </p:cNvPr>
-          <p:cNvSpPr/>
-          <p:nvPr/>
-        </p:nvSpPr>
-        <p:spPr>
-          <a:xfrm>
-            <a:off x="5854890" y="2797791"/>
-            <a:ext cx="1187355" cy="887105"/>
-          </a:xfrm>
-          <a:prstGeom prst="leftArrow">
-            <a:avLst/>
-          </a:prstGeom>
-        </p:spPr>
-        <p:style>
-          <a:lnRef idx="2">
-            <a:schemeClr val="accent2">
-              <a:shade val="15000"/>
-            </a:schemeClr>
-          </a:lnRef>
-          <a:fillRef idx="1">
-            <a:schemeClr val="accent2"/>
-          </a:fillRef>
-          <a:effectRef idx="0">
-            <a:schemeClr val="accent2"/>
-          </a:effectRef>
-          <a:fontRef idx="minor">
-            <a:schemeClr val="lt1"/>
-          </a:fontRef>
-        </p:style>
-        <p:txBody>
-          <a:bodyPr rtlCol="0" anchor="ctr"/>
-          <a:lstStyle/>
-          <a:p>
-            <a:pPr algn="ctr"/>
-            <a:endParaRPr lang="en-US"/>
-          </a:p>
-        </p:txBody>
-      </p:sp>
     </p:spTree>
     <p:extLst>
       <p:ext uri="{BB962C8B-B14F-4D97-AF65-F5344CB8AC3E}">
-        <p14:creationId xmlns:p14="http://schemas.microsoft.com/office/powerpoint/2010/main" val="621482658"/>
+        <p14:creationId xmlns:p14="http://schemas.microsoft.com/office/powerpoint/2010/main" val="1565348772"/>
       </p:ext>
     </p:extLst>
   </p:cSld>
   <p:clrMapOvr>
     <a:masterClrMapping/>
   </p:clrMapOvr>
-  <p:timing>
-    <p:tnLst>
-      <p:par>
-        <p:cTn id="1" dur="indefinite" restart="never" nodeType="tmRoot">
-          <p:childTnLst>
-            <p:seq concurrent="1" nextAc="seek">
-              <p:cTn id="2" dur="indefinite" nodeType="mainSeq">
-                <p:childTnLst>
-                  <p:par>
-                    <p:cTn id="3" fill="hold">
-                      <p:stCondLst>
-                        <p:cond delay="indefinite"/>
-                      </p:stCondLst>
-                      <p:childTnLst>
-                        <p:par>
-                          <p:cTn id="4" fill="hold">
-                            <p:stCondLst>
-                              <p:cond delay="0"/>
-                            </p:stCondLst>
-                            <p:childTnLst>
-                              <p:par>
-                                <p:cTn id="5" presetID="1" presetClass="entr" presetSubtype="0" fill="hold" grpId="0" nodeType="clickEffect">
-                                  <p:stCondLst>
-                                    <p:cond delay="0"/>
-                                  </p:stCondLst>
-                                  <p:childTnLst>
-                                    <p:set>
-                                      <p:cBhvr>
-                                        <p:cTn id="6" dur="1" fill="hold">
-                                          <p:stCondLst>
-                                            <p:cond delay="0"/>
-                                          </p:stCondLst>
-                                        </p:cTn>
-                                        <p:tgtEl>
-                                          <p:spTgt spid="7"/>
-                                        </p:tgtEl>
-                                        <p:attrNameLst>
-                                          <p:attrName>style.visibility</p:attrName>
-                                        </p:attrNameLst>
-                                      </p:cBhvr>
-                                      <p:to>
-                                        <p:strVal val="visible"/>
-                                      </p:to>
-                                    </p:set>
-                                  </p:childTnLst>
-                                </p:cTn>
-                              </p:par>
-                              <p:par>
-                                <p:cTn id="7" presetID="1" presetClass="entr" presetSubtype="0" fill="hold" grpId="0" nodeType="withEffect">
-                                  <p:stCondLst>
-                                    <p:cond delay="0"/>
-                                  </p:stCondLst>
-                                  <p:childTnLst>
-                                    <p:set>
-                                      <p:cBhvr>
-                                        <p:cTn id="8" dur="1" fill="hold">
-                                          <p:stCondLst>
-                                            <p:cond delay="0"/>
-                                          </p:stCondLst>
-                                        </p:cTn>
-                                        <p:tgtEl>
-                                          <p:spTgt spid="8"/>
-                                        </p:tgtEl>
-                                        <p:attrNameLst>
-                                          <p:attrName>style.visibility</p:attrName>
-                                        </p:attrNameLst>
-                                      </p:cBhvr>
-                                      <p:to>
-                                        <p:strVal val="visible"/>
-                                      </p:to>
-                                    </p:set>
-                                  </p:childTnLst>
-                                </p:cTn>
-                              </p:par>
-                            </p:childTnLst>
-                          </p:cTn>
-                        </p:par>
-                      </p:childTnLst>
-                    </p:cTn>
-                  </p:par>
-                </p:childTnLst>
-              </p:cTn>
-              <p:prevCondLst>
-                <p:cond evt="onPrev" delay="0">
-                  <p:tgtEl>
-                    <p:sldTgt/>
-                  </p:tgtEl>
-                </p:cond>
-              </p:prevCondLst>
-              <p:nextCondLst>
-                <p:cond evt="onNext" delay="0">
-                  <p:tgtEl>
-                    <p:sldTgt/>
-                  </p:tgtEl>
-                </p:cond>
-              </p:nextCondLst>
-            </p:seq>
-          </p:childTnLst>
-        </p:cTn>
-      </p:par>
-    </p:tnLst>
-    <p:bldLst>
-      <p:bldP spid="7" grpId="0" animBg="1"/>
-      <p:bldP spid="8" grpId="0" animBg="1"/>
-    </p:bldLst>
-  </p:timing>
 </p:sld>
 </file>
 
